--- a/GrowthRecord.pptx
+++ b/GrowthRecord.pptx
@@ -215,7 +215,7 @@
                 <a:latin typeface="Meiryo UI" panose="020B0604030504040204" pitchFamily="50" charset="-128"/>
                 <a:ea typeface="Meiryo UI" panose="020B0604030504040204" pitchFamily="50" charset="-128"/>
               </a:rPr>
-              <a:t>2023/7/5</a:t>
+              <a:t>2023/7/11</a:t>
             </a:fld>
             <a:endParaRPr kumimoji="1" lang="ja-JP" altLang="en-US" dirty="0">
               <a:latin typeface="Meiryo UI" panose="020B0604030504040204" pitchFamily="50" charset="-128"/>
@@ -399,7 +399,7 @@
             <a:fld id="{D5D0D523-8CFC-4A67-BC17-72B1EE12365D}" type="datetime1">
               <a:rPr kumimoji="1" lang="ja-JP" altLang="en-US" smtClean="0"/>
               <a:pPr/>
-              <a:t>2023/7/5</a:t>
+              <a:t>2023/7/11</a:t>
             </a:fld>
             <a:endParaRPr kumimoji="1" lang="ja-JP" altLang="en-US" dirty="0"/>
           </a:p>
@@ -4608,7 +4608,7 @@
             </a:endParaRPr>
           </a:p>
           <a:p>
-            <a:pPr rtl="0">
+            <a:pPr algn="r" rtl="0">
               <a:lnSpc>
                 <a:spcPct val="100000"/>
               </a:lnSpc>
@@ -7489,12 +7489,12 @@
 </file>
 
 <file path=customXml/item1.xml><?xml version="1.0" encoding="utf-8"?>
-<?mso-contentType ?>
-<FormTemplates xmlns="http://schemas.microsoft.com/sharepoint/v3/contenttype/forms">
-  <Display>DocumentLibraryForm</Display>
-  <Edit>DocumentLibraryForm</Edit>
-  <New>DocumentLibraryForm</New>
-</FormTemplates>
+<p:properties xmlns:p="http://schemas.microsoft.com/office/2006/metadata/properties" xmlns:xsi="http://www.w3.org/2001/XMLSchema-instance" xmlns:pc="http://schemas.microsoft.com/office/infopath/2007/PartnerControls">
+  <documentManagement>
+    <Status xmlns="71af3243-3dd4-4a8d-8c0d-dd76da1f02a5">Not started</Status>
+    <MediaServiceKeyPoints xmlns="71af3243-3dd4-4a8d-8c0d-dd76da1f02a5" xsi:nil="true"/>
+  </documentManagement>
+</p:properties>
 </file>
 
 <file path=customXml/item2.xml><?xml version="1.0" encoding="utf-8"?>
@@ -7719,18 +7719,27 @@
 </file>
 
 <file path=customXml/item3.xml><?xml version="1.0" encoding="utf-8"?>
-<p:properties xmlns:p="http://schemas.microsoft.com/office/2006/metadata/properties" xmlns:xsi="http://www.w3.org/2001/XMLSchema-instance" xmlns:pc="http://schemas.microsoft.com/office/infopath/2007/PartnerControls">
-  <documentManagement>
-    <Status xmlns="71af3243-3dd4-4a8d-8c0d-dd76da1f02a5">Not started</Status>
-    <MediaServiceKeyPoints xmlns="71af3243-3dd4-4a8d-8c0d-dd76da1f02a5" xsi:nil="true"/>
-  </documentManagement>
-</p:properties>
+<?mso-contentType ?>
+<FormTemplates xmlns="http://schemas.microsoft.com/sharepoint/v3/contenttype/forms">
+  <Display>DocumentLibraryForm</Display>
+  <Edit>DocumentLibraryForm</Edit>
+  <New>DocumentLibraryForm</New>
+</FormTemplates>
 </file>
 
 <file path=customXml/itemProps1.xml><?xml version="1.0" encoding="utf-8"?>
-<ds:datastoreItem xmlns:ds="http://schemas.openxmlformats.org/officeDocument/2006/customXml" ds:itemID="{AA3F7EDC-E5B4-4BBC-9D2A-CBE6D46C37AD}">
+<ds:datastoreItem xmlns:ds="http://schemas.openxmlformats.org/officeDocument/2006/customXml" ds:itemID="{A03EEFF0-FB57-4CB4-8BFC-DF397689E2ED}">
   <ds:schemaRefs>
-    <ds:schemaRef ds:uri="http://schemas.microsoft.com/sharepoint/v3/contenttype/forms"/>
+    <ds:schemaRef ds:uri="http://schemas.microsoft.com/office/infopath/2007/PartnerControls"/>
+    <ds:schemaRef ds:uri="16c05727-aa75-4e4a-9b5f-8a80a1165891"/>
+    <ds:schemaRef ds:uri="http://schemas.microsoft.com/office/2006/documentManagement/types"/>
+    <ds:schemaRef ds:uri="http://purl.org/dc/terms/"/>
+    <ds:schemaRef ds:uri="http://schemas.openxmlformats.org/package/2006/metadata/core-properties"/>
+    <ds:schemaRef ds:uri="http://schemas.microsoft.com/office/2006/metadata/properties"/>
+    <ds:schemaRef ds:uri="http://purl.org/dc/dcmitype/"/>
+    <ds:schemaRef ds:uri="http://www.w3.org/XML/1998/namespace"/>
+    <ds:schemaRef ds:uri="71af3243-3dd4-4a8d-8c0d-dd76da1f02a5"/>
+    <ds:schemaRef ds:uri="http://purl.org/dc/elements/1.1/"/>
   </ds:schemaRefs>
 </ds:datastoreItem>
 </file>
@@ -7755,18 +7764,9 @@
 </file>
 
 <file path=customXml/itemProps3.xml><?xml version="1.0" encoding="utf-8"?>
-<ds:datastoreItem xmlns:ds="http://schemas.openxmlformats.org/officeDocument/2006/customXml" ds:itemID="{A03EEFF0-FB57-4CB4-8BFC-DF397689E2ED}">
+<ds:datastoreItem xmlns:ds="http://schemas.openxmlformats.org/officeDocument/2006/customXml" ds:itemID="{AA3F7EDC-E5B4-4BBC-9D2A-CBE6D46C37AD}">
   <ds:schemaRefs>
-    <ds:schemaRef ds:uri="http://schemas.microsoft.com/office/infopath/2007/PartnerControls"/>
-    <ds:schemaRef ds:uri="16c05727-aa75-4e4a-9b5f-8a80a1165891"/>
-    <ds:schemaRef ds:uri="http://schemas.microsoft.com/office/2006/documentManagement/types"/>
-    <ds:schemaRef ds:uri="http://purl.org/dc/terms/"/>
-    <ds:schemaRef ds:uri="http://schemas.openxmlformats.org/package/2006/metadata/core-properties"/>
-    <ds:schemaRef ds:uri="http://schemas.microsoft.com/office/2006/metadata/properties"/>
-    <ds:schemaRef ds:uri="http://purl.org/dc/dcmitype/"/>
-    <ds:schemaRef ds:uri="http://www.w3.org/XML/1998/namespace"/>
-    <ds:schemaRef ds:uri="71af3243-3dd4-4a8d-8c0d-dd76da1f02a5"/>
-    <ds:schemaRef ds:uri="http://purl.org/dc/elements/1.1/"/>
+    <ds:schemaRef ds:uri="http://schemas.microsoft.com/sharepoint/v3/contenttype/forms"/>
   </ds:schemaRefs>
 </ds:datastoreItem>
 </file>
--- a/GrowthRecord.pptx
+++ b/GrowthRecord.pptx
@@ -215,7 +215,7 @@
                 <a:latin typeface="Meiryo UI" panose="020B0604030504040204" pitchFamily="50" charset="-128"/>
                 <a:ea typeface="Meiryo UI" panose="020B0604030504040204" pitchFamily="50" charset="-128"/>
               </a:rPr>
-              <a:t>2023/7/11</a:t>
+              <a:t>2023/7/12</a:t>
             </a:fld>
             <a:endParaRPr kumimoji="1" lang="ja-JP" altLang="en-US" dirty="0">
               <a:latin typeface="Meiryo UI" panose="020B0604030504040204" pitchFamily="50" charset="-128"/>
@@ -399,7 +399,7 @@
             <a:fld id="{D5D0D523-8CFC-4A67-BC17-72B1EE12365D}" type="datetime1">
               <a:rPr kumimoji="1" lang="ja-JP" altLang="en-US" smtClean="0"/>
               <a:pPr/>
-              <a:t>2023/7/11</a:t>
+              <a:t>2023/7/12</a:t>
             </a:fld>
             <a:endParaRPr kumimoji="1" lang="ja-JP" altLang="en-US" dirty="0"/>
           </a:p>
@@ -4531,34 +4531,22 @@
           <a:lstStyle/>
           <a:p>
             <a:r>
-              <a:rPr lang="en-US" altLang="ja-JP" sz="4400" dirty="0">
+              <a:rPr lang="ja-JP" altLang="en-US" sz="4400" dirty="0">
                 <a:solidFill>
                   <a:schemeClr val="tx1"/>
                 </a:solidFill>
                 <a:latin typeface="Meiryo UI" panose="020B0604030504040204" pitchFamily="50" charset="-128"/>
                 <a:ea typeface="Meiryo UI" panose="020B0604030504040204" pitchFamily="50" charset="-128"/>
               </a:rPr>
-              <a:t>Growth </a:t>
-            </a:r>
-            <a:br>
-              <a:rPr lang="en-US" altLang="ja-JP" sz="4400" dirty="0">
-                <a:solidFill>
-                  <a:schemeClr val="tx1"/>
-                </a:solidFill>
-                <a:latin typeface="Meiryo UI" panose="020B0604030504040204" pitchFamily="50" charset="-128"/>
-                <a:ea typeface="Meiryo UI" panose="020B0604030504040204" pitchFamily="50" charset="-128"/>
-              </a:rPr>
-            </a:br>
-            <a:r>
-              <a:rPr lang="en-US" altLang="ja-JP" sz="4400" dirty="0">
-                <a:solidFill>
-                  <a:schemeClr val="tx1"/>
-                </a:solidFill>
-                <a:latin typeface="Meiryo UI" panose="020B0604030504040204" pitchFamily="50" charset="-128"/>
-                <a:ea typeface="Meiryo UI" panose="020B0604030504040204" pitchFamily="50" charset="-128"/>
-              </a:rPr>
-              <a:t>      Record</a:t>
-            </a:r>
+              <a:t>ペットの成長記録アプリ</a:t>
+            </a:r>
+            <a:endParaRPr lang="en-US" altLang="ja-JP" sz="4400" dirty="0">
+              <a:solidFill>
+                <a:schemeClr val="tx1"/>
+              </a:solidFill>
+              <a:latin typeface="Meiryo UI" panose="020B0604030504040204" pitchFamily="50" charset="-128"/>
+              <a:ea typeface="Meiryo UI" panose="020B0604030504040204" pitchFamily="50" charset="-128"/>
+            </a:endParaRPr>
           </a:p>
         </p:txBody>
       </p:sp>
@@ -7489,12 +7477,12 @@
 </file>
 
 <file path=customXml/item1.xml><?xml version="1.0" encoding="utf-8"?>
-<p:properties xmlns:p="http://schemas.microsoft.com/office/2006/metadata/properties" xmlns:xsi="http://www.w3.org/2001/XMLSchema-instance" xmlns:pc="http://schemas.microsoft.com/office/infopath/2007/PartnerControls">
-  <documentManagement>
-    <Status xmlns="71af3243-3dd4-4a8d-8c0d-dd76da1f02a5">Not started</Status>
-    <MediaServiceKeyPoints xmlns="71af3243-3dd4-4a8d-8c0d-dd76da1f02a5" xsi:nil="true"/>
-  </documentManagement>
-</p:properties>
+<?mso-contentType ?>
+<FormTemplates xmlns="http://schemas.microsoft.com/sharepoint/v3/contenttype/forms">
+  <Display>DocumentLibraryForm</Display>
+  <Edit>DocumentLibraryForm</Edit>
+  <New>DocumentLibraryForm</New>
+</FormTemplates>
 </file>
 
 <file path=customXml/item2.xml><?xml version="1.0" encoding="utf-8"?>
@@ -7719,27 +7707,18 @@
 </file>
 
 <file path=customXml/item3.xml><?xml version="1.0" encoding="utf-8"?>
-<?mso-contentType ?>
-<FormTemplates xmlns="http://schemas.microsoft.com/sharepoint/v3/contenttype/forms">
-  <Display>DocumentLibraryForm</Display>
-  <Edit>DocumentLibraryForm</Edit>
-  <New>DocumentLibraryForm</New>
-</FormTemplates>
+<p:properties xmlns:p="http://schemas.microsoft.com/office/2006/metadata/properties" xmlns:xsi="http://www.w3.org/2001/XMLSchema-instance" xmlns:pc="http://schemas.microsoft.com/office/infopath/2007/PartnerControls">
+  <documentManagement>
+    <Status xmlns="71af3243-3dd4-4a8d-8c0d-dd76da1f02a5">Not started</Status>
+    <MediaServiceKeyPoints xmlns="71af3243-3dd4-4a8d-8c0d-dd76da1f02a5" xsi:nil="true"/>
+  </documentManagement>
+</p:properties>
 </file>
 
 <file path=customXml/itemProps1.xml><?xml version="1.0" encoding="utf-8"?>
-<ds:datastoreItem xmlns:ds="http://schemas.openxmlformats.org/officeDocument/2006/customXml" ds:itemID="{A03EEFF0-FB57-4CB4-8BFC-DF397689E2ED}">
+<ds:datastoreItem xmlns:ds="http://schemas.openxmlformats.org/officeDocument/2006/customXml" ds:itemID="{AA3F7EDC-E5B4-4BBC-9D2A-CBE6D46C37AD}">
   <ds:schemaRefs>
-    <ds:schemaRef ds:uri="http://schemas.microsoft.com/office/infopath/2007/PartnerControls"/>
-    <ds:schemaRef ds:uri="16c05727-aa75-4e4a-9b5f-8a80a1165891"/>
-    <ds:schemaRef ds:uri="http://schemas.microsoft.com/office/2006/documentManagement/types"/>
-    <ds:schemaRef ds:uri="http://purl.org/dc/terms/"/>
-    <ds:schemaRef ds:uri="http://schemas.openxmlformats.org/package/2006/metadata/core-properties"/>
-    <ds:schemaRef ds:uri="http://schemas.microsoft.com/office/2006/metadata/properties"/>
-    <ds:schemaRef ds:uri="http://purl.org/dc/dcmitype/"/>
-    <ds:schemaRef ds:uri="http://www.w3.org/XML/1998/namespace"/>
-    <ds:schemaRef ds:uri="71af3243-3dd4-4a8d-8c0d-dd76da1f02a5"/>
-    <ds:schemaRef ds:uri="http://purl.org/dc/elements/1.1/"/>
+    <ds:schemaRef ds:uri="http://schemas.microsoft.com/sharepoint/v3/contenttype/forms"/>
   </ds:schemaRefs>
 </ds:datastoreItem>
 </file>
@@ -7764,9 +7743,18 @@
 </file>
 
 <file path=customXml/itemProps3.xml><?xml version="1.0" encoding="utf-8"?>
-<ds:datastoreItem xmlns:ds="http://schemas.openxmlformats.org/officeDocument/2006/customXml" ds:itemID="{AA3F7EDC-E5B4-4BBC-9D2A-CBE6D46C37AD}">
+<ds:datastoreItem xmlns:ds="http://schemas.openxmlformats.org/officeDocument/2006/customXml" ds:itemID="{A03EEFF0-FB57-4CB4-8BFC-DF397689E2ED}">
   <ds:schemaRefs>
-    <ds:schemaRef ds:uri="http://schemas.microsoft.com/sharepoint/v3/contenttype/forms"/>
+    <ds:schemaRef ds:uri="http://schemas.microsoft.com/office/infopath/2007/PartnerControls"/>
+    <ds:schemaRef ds:uri="16c05727-aa75-4e4a-9b5f-8a80a1165891"/>
+    <ds:schemaRef ds:uri="http://schemas.microsoft.com/office/2006/documentManagement/types"/>
+    <ds:schemaRef ds:uri="http://purl.org/dc/terms/"/>
+    <ds:schemaRef ds:uri="http://schemas.openxmlformats.org/package/2006/metadata/core-properties"/>
+    <ds:schemaRef ds:uri="http://schemas.microsoft.com/office/2006/metadata/properties"/>
+    <ds:schemaRef ds:uri="http://purl.org/dc/dcmitype/"/>
+    <ds:schemaRef ds:uri="http://www.w3.org/XML/1998/namespace"/>
+    <ds:schemaRef ds:uri="71af3243-3dd4-4a8d-8c0d-dd76da1f02a5"/>
+    <ds:schemaRef ds:uri="http://purl.org/dc/elements/1.1/"/>
   </ds:schemaRefs>
 </ds:datastoreItem>
 </file>